--- a/001. 세미나 자료/01. 1차시/20140715 조규남 알고리즘문제해결전략 2, 3장.pptx
+++ b/001. 세미나 자료/01. 1차시/20140715 조규남 알고리즘문제해결전략 2, 3장.pptx
@@ -4193,11 +4193,7 @@
             </a:pPr>
             <a:r>
               <a:rPr lang="ko-KR" altLang="en-US" sz="1100" dirty="0" smtClean="0"/>
-              <a:t>모범 답안 </a:t>
-            </a:r>
-            <a:r>
-              <a:rPr lang="ko-KR" altLang="en-US" sz="1100" dirty="0" smtClean="0"/>
-              <a:t>참고</a:t>
+              <a:t>모범 답안 참고</a:t>
             </a:r>
             <a:endParaRPr lang="en-US" altLang="ko-KR" sz="1100" dirty="0" smtClean="0"/>
           </a:p>
@@ -5186,6 +5182,198 @@
           </a:p>
         </p:txBody>
       </p:sp>
+      <p:grpSp>
+        <p:nvGrpSpPr>
+          <p:cNvPr id="11" name="그룹 10"/>
+          <p:cNvGrpSpPr/>
+          <p:nvPr/>
+        </p:nvGrpSpPr>
+        <p:grpSpPr>
+          <a:xfrm>
+            <a:off x="1491916" y="3353800"/>
+            <a:ext cx="7814511" cy="1651337"/>
+            <a:chOff x="1491916" y="3353800"/>
+            <a:chExt cx="7814511" cy="1651337"/>
+          </a:xfrm>
+        </p:grpSpPr>
+        <p:pic>
+          <p:nvPicPr>
+            <p:cNvPr id="4" name="그림 3"/>
+            <p:cNvPicPr>
+              <a:picLocks noChangeAspect="1"/>
+            </p:cNvPicPr>
+            <p:nvPr/>
+          </p:nvPicPr>
+          <p:blipFill rotWithShape="1">
+            <a:blip r:embed="rId2"/>
+            <a:srcRect l="48322" t="41539" r="32762" b="44758"/>
+            <a:stretch/>
+          </p:blipFill>
+          <p:spPr>
+            <a:xfrm>
+              <a:off x="5606716" y="3353800"/>
+              <a:ext cx="3699711" cy="1479885"/>
+            </a:xfrm>
+            <a:prstGeom prst="rect">
+              <a:avLst/>
+            </a:prstGeom>
+          </p:spPr>
+        </p:pic>
+        <p:pic>
+          <p:nvPicPr>
+            <p:cNvPr id="5" name="그림 4"/>
+            <p:cNvPicPr>
+              <a:picLocks noChangeAspect="1"/>
+            </p:cNvPicPr>
+            <p:nvPr/>
+          </p:nvPicPr>
+          <p:blipFill rotWithShape="1">
+            <a:blip r:embed="rId3"/>
+            <a:srcRect l="2368" t="10286" r="84252" b="76178"/>
+            <a:stretch/>
+          </p:blipFill>
+          <p:spPr>
+            <a:xfrm>
+              <a:off x="1907545" y="3353800"/>
+              <a:ext cx="2762175" cy="1543009"/>
+            </a:xfrm>
+            <a:prstGeom prst="rect">
+              <a:avLst/>
+            </a:prstGeom>
+          </p:spPr>
+        </p:pic>
+        <p:sp>
+          <p:nvSpPr>
+            <p:cNvPr id="6" name="타원 5"/>
+            <p:cNvSpPr/>
+            <p:nvPr/>
+          </p:nvSpPr>
+          <p:spPr>
+            <a:xfrm>
+              <a:off x="1491916" y="3759868"/>
+              <a:ext cx="2466473" cy="1245269"/>
+            </a:xfrm>
+            <a:prstGeom prst="ellipse">
+              <a:avLst/>
+            </a:prstGeom>
+            <a:noFill/>
+            <a:ln w="28575">
+              <a:solidFill>
+                <a:srgbClr val="FF0000"/>
+              </a:solidFill>
+            </a:ln>
+          </p:spPr>
+          <p:style>
+            <a:lnRef idx="2">
+              <a:schemeClr val="accent1">
+                <a:shade val="50000"/>
+              </a:schemeClr>
+            </a:lnRef>
+            <a:fillRef idx="1">
+              <a:schemeClr val="accent1"/>
+            </a:fillRef>
+            <a:effectRef idx="0">
+              <a:schemeClr val="accent1"/>
+            </a:effectRef>
+            <a:fontRef idx="minor">
+              <a:schemeClr val="lt1"/>
+            </a:fontRef>
+          </p:style>
+          <p:txBody>
+            <a:bodyPr rtlCol="0" anchor="ctr"/>
+            <a:lstStyle/>
+            <a:p>
+              <a:pPr algn="ctr"/>
+              <a:endParaRPr lang="ko-KR" altLang="en-US"/>
+            </a:p>
+          </p:txBody>
+        </p:sp>
+        <p:sp>
+          <p:nvSpPr>
+            <p:cNvPr id="8" name="직사각형 7"/>
+            <p:cNvSpPr/>
+            <p:nvPr/>
+          </p:nvSpPr>
+          <p:spPr>
+            <a:xfrm>
+              <a:off x="5450305" y="3874168"/>
+              <a:ext cx="1558090" cy="637674"/>
+            </a:xfrm>
+            <a:prstGeom prst="rect">
+              <a:avLst/>
+            </a:prstGeom>
+            <a:noFill/>
+            <a:ln w="28575">
+              <a:solidFill>
+                <a:srgbClr val="FF0000"/>
+              </a:solidFill>
+            </a:ln>
+          </p:spPr>
+          <p:style>
+            <a:lnRef idx="2">
+              <a:schemeClr val="accent1">
+                <a:shade val="50000"/>
+              </a:schemeClr>
+            </a:lnRef>
+            <a:fillRef idx="1">
+              <a:schemeClr val="accent1"/>
+            </a:fillRef>
+            <a:effectRef idx="0">
+              <a:schemeClr val="accent1"/>
+            </a:effectRef>
+            <a:fontRef idx="minor">
+              <a:schemeClr val="lt1"/>
+            </a:fontRef>
+          </p:style>
+          <p:txBody>
+            <a:bodyPr rtlCol="0" anchor="ctr"/>
+            <a:lstStyle/>
+            <a:p>
+              <a:pPr algn="ctr"/>
+              <a:endParaRPr lang="ko-KR" altLang="en-US"/>
+            </a:p>
+          </p:txBody>
+        </p:sp>
+        <p:cxnSp>
+          <p:nvCxnSpPr>
+            <p:cNvPr id="10" name="직선 화살표 연결선 9"/>
+            <p:cNvCxnSpPr>
+              <a:stCxn id="6" idx="6"/>
+              <a:endCxn id="8" idx="1"/>
+            </p:cNvCxnSpPr>
+            <p:nvPr/>
+          </p:nvCxnSpPr>
+          <p:spPr>
+            <a:xfrm flipV="1">
+              <a:off x="3958389" y="4193005"/>
+              <a:ext cx="1491916" cy="189498"/>
+            </a:xfrm>
+            <a:prstGeom prst="straightConnector1">
+              <a:avLst/>
+            </a:prstGeom>
+            <a:ln w="28575">
+              <a:solidFill>
+                <a:srgbClr val="FF0000"/>
+              </a:solidFill>
+              <a:tailEnd type="triangle"/>
+            </a:ln>
+          </p:spPr>
+          <p:style>
+            <a:lnRef idx="1">
+              <a:schemeClr val="accent1"/>
+            </a:lnRef>
+            <a:fillRef idx="0">
+              <a:schemeClr val="accent1"/>
+            </a:fillRef>
+            <a:effectRef idx="0">
+              <a:schemeClr val="accent1"/>
+            </a:effectRef>
+            <a:fontRef idx="minor">
+              <a:schemeClr val="tx1"/>
+            </a:fontRef>
+          </p:style>
+        </p:cxnSp>
+      </p:grpSp>
     </p:spTree>
     <p:extLst>
       <p:ext uri="{BB962C8B-B14F-4D97-AF65-F5344CB8AC3E}">
